--- a/Presentation/PresentationForCommitte.pptx
+++ b/Presentation/PresentationForCommitte.pptx
@@ -7,12 +7,12 @@
   <p:sldIdLst>
     <p:sldId id="256" r:id="rId2"/>
     <p:sldId id="257" r:id="rId3"/>
-    <p:sldId id="258" r:id="rId4"/>
-    <p:sldId id="259" r:id="rId5"/>
-    <p:sldId id="260" r:id="rId6"/>
-    <p:sldId id="261" r:id="rId7"/>
-    <p:sldId id="262" r:id="rId8"/>
-    <p:sldId id="263" r:id="rId9"/>
+    <p:sldId id="271" r:id="rId4"/>
+    <p:sldId id="262" r:id="rId5"/>
+    <p:sldId id="263" r:id="rId6"/>
+    <p:sldId id="275" r:id="rId7"/>
+    <p:sldId id="276" r:id="rId8"/>
+    <p:sldId id="274" r:id="rId9"/>
     <p:sldId id="264" r:id="rId10"/>
     <p:sldId id="265" r:id="rId11"/>
     <p:sldId id="266" r:id="rId12"/>
@@ -20,9 +20,8 @@
     <p:sldId id="268" r:id="rId14"/>
     <p:sldId id="269" r:id="rId15"/>
     <p:sldId id="270" r:id="rId16"/>
-    <p:sldId id="271" r:id="rId17"/>
-    <p:sldId id="272" r:id="rId18"/>
-    <p:sldId id="273" r:id="rId19"/>
+    <p:sldId id="272" r:id="rId17"/>
+    <p:sldId id="273" r:id="rId18"/>
   </p:sldIdLst>
   <p:sldSz cx="12192000" cy="6858000"/>
   <p:notesSz cx="6858000" cy="9144000"/>
@@ -4369,217 +4368,6 @@
                 </a:solidFill>
                 <a:latin typeface="VCR OSD Mono" panose="02000609000000000000" pitchFamily="49" charset="0"/>
               </a:rPr>
-              <a:t>Tech stack</a:t>
-            </a:r>
-          </a:p>
-        </p:txBody>
-      </p:sp>
-      <p:sp>
-        <p:nvSpPr>
-          <p:cNvPr id="3" name="Content Placeholder 2">
-            <a:extLst>
-              <a:ext uri="{FF2B5EF4-FFF2-40B4-BE49-F238E27FC236}">
-                <a16:creationId xmlns:a16="http://schemas.microsoft.com/office/drawing/2014/main" id="{A81E1E60-A451-3527-7132-75491D8E508E}"/>
-              </a:ext>
-            </a:extLst>
-          </p:cNvPr>
-          <p:cNvSpPr>
-            <a:spLocks noGrp="1"/>
-          </p:cNvSpPr>
-          <p:nvPr>
-            <p:ph idx="1"/>
-          </p:nvPr>
-        </p:nvSpPr>
-        <p:spPr>
-          <a:xfrm>
-            <a:off x="621890" y="1562868"/>
-            <a:ext cx="10515600" cy="4680616"/>
-          </a:xfrm>
-        </p:spPr>
-        <p:txBody>
-          <a:bodyPr>
-            <a:normAutofit/>
-          </a:bodyPr>
-          <a:lstStyle/>
-          <a:p>
-            <a:r>
-              <a:rPr lang="en-US" dirty="0">
-                <a:solidFill>
-                  <a:schemeClr val="bg1"/>
-                </a:solidFill>
-                <a:latin typeface="VCR OSD Mono" panose="02000609000000000000" pitchFamily="49" charset="0"/>
-              </a:rPr>
-              <a:t>For the development of our game, we chose the </a:t>
-            </a:r>
-            <a:r>
-              <a:rPr lang="en-US" b="1" dirty="0">
-                <a:solidFill>
-                  <a:schemeClr val="accent6">
-                    <a:lumMod val="60000"/>
-                    <a:lumOff val="40000"/>
-                  </a:schemeClr>
-                </a:solidFill>
-                <a:effectLst>
-                  <a:outerShdw blurRad="38100" dist="38100" dir="2700000" algn="tl">
-                    <a:srgbClr val="000000">
-                      <a:alpha val="43137"/>
-                    </a:srgbClr>
-                  </a:outerShdw>
-                </a:effectLst>
-                <a:latin typeface="VCR OSD Mono" panose="02000609000000000000" pitchFamily="49" charset="0"/>
-              </a:rPr>
-              <a:t>Unity</a:t>
-            </a:r>
-            <a:r>
-              <a:rPr lang="en-US" dirty="0">
-                <a:solidFill>
-                  <a:schemeClr val="bg1"/>
-                </a:solidFill>
-                <a:latin typeface="VCR OSD Mono" panose="02000609000000000000" pitchFamily="49" charset="0"/>
-              </a:rPr>
-              <a:t> game engine, which provided a robust platform for creating immersive experiences. </a:t>
-            </a:r>
-          </a:p>
-          <a:p>
-            <a:r>
-              <a:rPr lang="en-US" dirty="0">
-                <a:solidFill>
-                  <a:schemeClr val="bg1"/>
-                </a:solidFill>
-                <a:latin typeface="VCR OSD Mono" panose="02000609000000000000" pitchFamily="49" charset="0"/>
-              </a:rPr>
-              <a:t>The game's programming was carried out in </a:t>
-            </a:r>
-            <a:r>
-              <a:rPr lang="en-US" b="1" dirty="0">
-                <a:solidFill>
-                  <a:schemeClr val="accent6">
-                    <a:lumMod val="60000"/>
-                    <a:lumOff val="40000"/>
-                  </a:schemeClr>
-                </a:solidFill>
-                <a:effectLst>
-                  <a:outerShdw blurRad="38100" dist="38100" dir="2700000" algn="tl">
-                    <a:srgbClr val="000000">
-                      <a:alpha val="43137"/>
-                    </a:srgbClr>
-                  </a:outerShdw>
-                </a:effectLst>
-                <a:latin typeface="VCR OSD Mono" panose="02000609000000000000" pitchFamily="49" charset="0"/>
-              </a:rPr>
-              <a:t>C#</a:t>
-            </a:r>
-            <a:r>
-              <a:rPr lang="en-US" dirty="0">
-                <a:solidFill>
-                  <a:schemeClr val="bg1"/>
-                </a:solidFill>
-                <a:latin typeface="VCR OSD Mono" panose="02000609000000000000" pitchFamily="49" charset="0"/>
-              </a:rPr>
-              <a:t>.</a:t>
-            </a:r>
-          </a:p>
-          <a:p>
-            <a:r>
-              <a:rPr lang="en-US" dirty="0">
-                <a:solidFill>
-                  <a:schemeClr val="bg1"/>
-                </a:solidFill>
-                <a:latin typeface="VCR OSD Mono" panose="02000609000000000000" pitchFamily="49" charset="0"/>
-              </a:rPr>
-              <a:t>To facilitate collaboration and version control, we utilized </a:t>
-            </a:r>
-            <a:r>
-              <a:rPr lang="en-US" b="1" dirty="0">
-                <a:solidFill>
-                  <a:schemeClr val="accent6">
-                    <a:lumMod val="60000"/>
-                    <a:lumOff val="40000"/>
-                  </a:schemeClr>
-                </a:solidFill>
-                <a:effectLst>
-                  <a:outerShdw blurRad="38100" dist="38100" dir="2700000" algn="tl">
-                    <a:srgbClr val="000000">
-                      <a:alpha val="43137"/>
-                    </a:srgbClr>
-                  </a:outerShdw>
-                </a:effectLst>
-                <a:latin typeface="VCR OSD Mono" panose="02000609000000000000" pitchFamily="49" charset="0"/>
-              </a:rPr>
-              <a:t>GitHub</a:t>
-            </a:r>
-            <a:r>
-              <a:rPr lang="en-US" dirty="0">
-                <a:solidFill>
-                  <a:schemeClr val="bg1"/>
-                </a:solidFill>
-                <a:latin typeface="VCR OSD Mono" panose="02000609000000000000" pitchFamily="49" charset="0"/>
-              </a:rPr>
-              <a:t> to manage our source code effectively, ensuring seamless teamwork throughout the project.</a:t>
-            </a:r>
-          </a:p>
-        </p:txBody>
-      </p:sp>
-    </p:spTree>
-    <p:extLst>
-      <p:ext uri="{BB962C8B-B14F-4D97-AF65-F5344CB8AC3E}">
-        <p14:creationId xmlns:p14="http://schemas.microsoft.com/office/powerpoint/2010/main" val="2240415579"/>
-      </p:ext>
-    </p:extLst>
-  </p:cSld>
-  <p:clrMapOvr>
-    <a:masterClrMapping/>
-  </p:clrMapOvr>
-</p:sld>
-</file>
-
-<file path=ppt/slides/slide17.xml><?xml version="1.0" encoding="utf-8"?>
-<p:sld xmlns:a="http://schemas.openxmlformats.org/drawingml/2006/main" xmlns:r="http://schemas.openxmlformats.org/officeDocument/2006/relationships" xmlns:p="http://schemas.openxmlformats.org/presentationml/2006/main">
-  <p:cSld>
-    <p:spTree>
-      <p:nvGrpSpPr>
-        <p:cNvPr id="1" name=""/>
-        <p:cNvGrpSpPr/>
-        <p:nvPr/>
-      </p:nvGrpSpPr>
-      <p:grpSpPr>
-        <a:xfrm>
-          <a:off x="0" y="0"/>
-          <a:ext cx="0" cy="0"/>
-          <a:chOff x="0" y="0"/>
-          <a:chExt cx="0" cy="0"/>
-        </a:xfrm>
-      </p:grpSpPr>
-      <p:sp>
-        <p:nvSpPr>
-          <p:cNvPr id="2" name="Title 1">
-            <a:extLst>
-              <a:ext uri="{FF2B5EF4-FFF2-40B4-BE49-F238E27FC236}">
-                <a16:creationId xmlns:a16="http://schemas.microsoft.com/office/drawing/2014/main" id="{932D65E9-09A6-6EA1-C455-E70D7FD9061A}"/>
-              </a:ext>
-            </a:extLst>
-          </p:cNvPr>
-          <p:cNvSpPr>
-            <a:spLocks noGrp="1"/>
-          </p:cNvSpPr>
-          <p:nvPr>
-            <p:ph type="title"/>
-          </p:nvPr>
-        </p:nvSpPr>
-        <p:spPr/>
-        <p:txBody>
-          <a:bodyPr>
-            <a:normAutofit/>
-          </a:bodyPr>
-          <a:lstStyle/>
-          <a:p>
-            <a:r>
-              <a:rPr lang="en-US" sz="5400" dirty="0">
-                <a:solidFill>
-                  <a:schemeClr val="accent4"/>
-                </a:solidFill>
-                <a:latin typeface="VCR OSD Mono" panose="02000609000000000000" pitchFamily="49" charset="0"/>
-              </a:rPr>
               <a:t>Resources used</a:t>
             </a:r>
           </a:p>
@@ -4638,7 +4426,7 @@
 </p:sld>
 </file>
 
-<file path=ppt/slides/slide18.xml><?xml version="1.0" encoding="utf-8"?>
+<file path=ppt/slides/slide17.xml><?xml version="1.0" encoding="utf-8"?>
 <p:sld xmlns:a="http://schemas.openxmlformats.org/drawingml/2006/main" xmlns:r="http://schemas.openxmlformats.org/officeDocument/2006/relationships" xmlns:p="http://schemas.openxmlformats.org/presentationml/2006/main">
   <p:cSld>
     <p:spTree>
@@ -4741,21 +4529,34 @@
             <p:ph type="title"/>
           </p:nvPr>
         </p:nvSpPr>
-        <p:spPr/>
+        <p:spPr>
+          <a:xfrm>
+            <a:off x="0" y="679757"/>
+            <a:ext cx="12192000" cy="1325563"/>
+          </a:xfrm>
+        </p:spPr>
         <p:txBody>
           <a:bodyPr>
             <a:normAutofit/>
           </a:bodyPr>
           <a:lstStyle/>
           <a:p>
+            <a:pPr algn="ctr"/>
             <a:r>
               <a:rPr lang="en-US" sz="5400" dirty="0">
                 <a:solidFill>
                   <a:schemeClr val="accent4"/>
                 </a:solidFill>
+                <a:effectLst>
+                  <a:outerShdw blurRad="38100" dist="38100" dir="2700000" algn="tl">
+                    <a:srgbClr val="000000">
+                      <a:alpha val="43137"/>
+                    </a:srgbClr>
+                  </a:outerShdw>
+                </a:effectLst>
                 <a:latin typeface="VCR OSD Mono" panose="02000609000000000000" pitchFamily="49" charset="0"/>
               </a:rPr>
-              <a:t>Introduction</a:t>
+              <a:t>Description</a:t>
             </a:r>
           </a:p>
         </p:txBody>
@@ -4778,25 +4579,14 @@
         </p:nvSpPr>
         <p:spPr>
           <a:xfrm>
-            <a:off x="621890" y="1562868"/>
-            <a:ext cx="10515600" cy="4351338"/>
+            <a:off x="3049229" y="2772133"/>
+            <a:ext cx="6093542" cy="4351338"/>
           </a:xfrm>
         </p:spPr>
         <p:txBody>
           <a:bodyPr/>
           <a:lstStyle/>
           <a:p>
-            <a:r>
-              <a:rPr lang="en-US" dirty="0">
-                <a:solidFill>
-                  <a:schemeClr val="accent2">
-                    <a:lumMod val="75000"/>
-                  </a:schemeClr>
-                </a:solidFill>
-                <a:latin typeface="VCR OSD Mono" panose="02000609000000000000" pitchFamily="49" charset="0"/>
-              </a:rPr>
-              <a:t>'Dreamer's Conquest'</a:t>
-            </a:r>
             <a:r>
               <a:rPr lang="en-US" dirty="0">
                 <a:solidFill>
@@ -4804,7 +4594,7 @@
                 </a:solidFill>
                 <a:latin typeface="VCR OSD Mono" panose="02000609000000000000" pitchFamily="49" charset="0"/>
               </a:rPr>
-              <a:t> is an engaging 2D pixel art adventure that invites players into a richly woven narrative of mystery and power. </a:t>
+              <a:t>2D Pixel art Top-Down RPG</a:t>
             </a:r>
           </a:p>
           <a:p>
@@ -4815,7 +4605,18 @@
                 </a:solidFill>
                 <a:latin typeface="VCR OSD Mono" panose="02000609000000000000" pitchFamily="49" charset="0"/>
               </a:rPr>
-              <a:t>Set in a fantastical world, the game combines classic top-down exploration with vibrant storytelling.</a:t>
+              <a:t>Medieval setting  </a:t>
+            </a:r>
+          </a:p>
+          <a:p>
+            <a:r>
+              <a:rPr lang="en-US" dirty="0">
+                <a:solidFill>
+                  <a:schemeClr val="bg1"/>
+                </a:solidFill>
+                <a:latin typeface="VCR OSD Mono" panose="02000609000000000000" pitchFamily="49" charset="0"/>
+              </a:rPr>
+              <a:t>Thrilling storytelling</a:t>
             </a:r>
           </a:p>
         </p:txBody>
@@ -4866,21 +4667,34 @@
             <p:ph type="title"/>
           </p:nvPr>
         </p:nvSpPr>
-        <p:spPr/>
+        <p:spPr>
+          <a:xfrm>
+            <a:off x="838199" y="660092"/>
+            <a:ext cx="10515600" cy="1325563"/>
+          </a:xfrm>
+        </p:spPr>
         <p:txBody>
           <a:bodyPr>
             <a:normAutofit/>
           </a:bodyPr>
           <a:lstStyle/>
           <a:p>
+            <a:pPr algn="ctr"/>
             <a:r>
               <a:rPr lang="en-US" sz="5400" dirty="0">
                 <a:solidFill>
                   <a:schemeClr val="accent4"/>
                 </a:solidFill>
+                <a:effectLst>
+                  <a:outerShdw blurRad="38100" dist="38100" dir="2700000" algn="tl">
+                    <a:srgbClr val="000000">
+                      <a:alpha val="43137"/>
+                    </a:srgbClr>
+                  </a:outerShdw>
+                </a:effectLst>
                 <a:latin typeface="VCR OSD Mono" panose="02000609000000000000" pitchFamily="49" charset="0"/>
               </a:rPr>
-              <a:t>Gameplay</a:t>
+              <a:t>Tech stack</a:t>
             </a:r>
           </a:p>
         </p:txBody>
@@ -4903,12 +4717,14 @@
         </p:nvSpPr>
         <p:spPr>
           <a:xfrm>
-            <a:off x="621890" y="1562868"/>
-            <a:ext cx="10515600" cy="4680616"/>
+            <a:off x="4823951" y="2772236"/>
+            <a:ext cx="2544097" cy="2261880"/>
           </a:xfrm>
         </p:spPr>
         <p:txBody>
-          <a:bodyPr/>
+          <a:bodyPr>
+            <a:normAutofit/>
+          </a:bodyPr>
           <a:lstStyle/>
           <a:p>
             <a:r>
@@ -4918,19 +4734,10 @@
                 </a:solidFill>
                 <a:latin typeface="VCR OSD Mono" panose="02000609000000000000" pitchFamily="49" charset="0"/>
               </a:rPr>
-              <a:t>In </a:t>
-            </a:r>
-            <a:r>
-              <a:rPr lang="en-US" dirty="0">
-                <a:solidFill>
-                  <a:schemeClr val="accent2">
-                    <a:lumMod val="75000"/>
-                  </a:schemeClr>
-                </a:solidFill>
-                <a:latin typeface="VCR OSD Mono" panose="02000609000000000000" pitchFamily="49" charset="0"/>
-              </a:rPr>
-              <a:t>'Dreamer's Conquest'</a:t>
-            </a:r>
+              <a:t>Unity</a:t>
+            </a:r>
+          </a:p>
+          <a:p>
             <a:r>
               <a:rPr lang="en-US" dirty="0">
                 <a:solidFill>
@@ -4938,7 +4745,7 @@
                 </a:solidFill>
                 <a:latin typeface="VCR OSD Mono" panose="02000609000000000000" pitchFamily="49" charset="0"/>
               </a:rPr>
-              <a:t>, players navigate through multiple levels, each presenting challenges and environments. </a:t>
+              <a:t>C#</a:t>
             </a:r>
           </a:p>
           <a:p>
@@ -4949,17 +4756,10 @@
                 </a:solidFill>
                 <a:latin typeface="VCR OSD Mono" panose="02000609000000000000" pitchFamily="49" charset="0"/>
               </a:rPr>
-              <a:t>As </a:t>
-            </a:r>
-            <a:r>
-              <a:rPr lang="en-US" u="sng" dirty="0">
-                <a:solidFill>
-                  <a:schemeClr val="bg1"/>
-                </a:solidFill>
-                <a:latin typeface="VCR OSD Mono" panose="02000609000000000000" pitchFamily="49" charset="0"/>
-              </a:rPr>
-              <a:t>Seong</a:t>
-            </a:r>
+              <a:t>GitHub</a:t>
+            </a:r>
+          </a:p>
+          <a:p>
             <a:r>
               <a:rPr lang="en-US" dirty="0">
                 <a:solidFill>
@@ -4967,43 +4767,7 @@
                 </a:solidFill>
                 <a:latin typeface="VCR OSD Mono" panose="02000609000000000000" pitchFamily="49" charset="0"/>
               </a:rPr>
-              <a:t>, the protagonist, players will confront various enemies in his quest. </a:t>
-            </a:r>
-          </a:p>
-          <a:p>
-            <a:endParaRPr lang="en-US" dirty="0">
-              <a:solidFill>
-                <a:schemeClr val="bg1"/>
-              </a:solidFill>
-              <a:latin typeface="VCR OSD Mono" panose="02000609000000000000" pitchFamily="49" charset="0"/>
-            </a:endParaRPr>
-          </a:p>
-          <a:p>
-            <a:endParaRPr lang="en-US" dirty="0">
-              <a:solidFill>
-                <a:schemeClr val="bg1"/>
-              </a:solidFill>
-              <a:latin typeface="VCR OSD Mono" panose="02000609000000000000" pitchFamily="49" charset="0"/>
-            </a:endParaRPr>
-          </a:p>
-          <a:p>
-            <a:r>
-              <a:rPr lang="en-US" dirty="0">
-                <a:solidFill>
-                  <a:srgbClr val="FF0000"/>
-                </a:solidFill>
-                <a:latin typeface="VCR OSD Mono" panose="02000609000000000000" pitchFamily="49" charset="0"/>
-              </a:rPr>
-              <a:t>Comment:</a:t>
-            </a:r>
-            <a:r>
-              <a:rPr lang="en-US" dirty="0">
-                <a:solidFill>
-                  <a:schemeClr val="bg1"/>
-                </a:solidFill>
-                <a:latin typeface="VCR OSD Mono" panose="02000609000000000000" pitchFamily="49" charset="0"/>
-              </a:rPr>
-              <a:t> Here the background could probably be from the game, or we could add some images presenting how the game looks.</a:t>
+              <a:t>Photoshop</a:t>
             </a:r>
           </a:p>
         </p:txBody>
@@ -5011,7 +4775,7 @@
     </p:spTree>
     <p:extLst>
       <p:ext uri="{BB962C8B-B14F-4D97-AF65-F5344CB8AC3E}">
-        <p14:creationId xmlns:p14="http://schemas.microsoft.com/office/powerpoint/2010/main" val="1729837749"/>
+        <p14:creationId xmlns:p14="http://schemas.microsoft.com/office/powerpoint/2010/main" val="2240415579"/>
       </p:ext>
     </p:extLst>
   </p:cSld>
@@ -5061,6 +4825,7 @@
           </a:bodyPr>
           <a:lstStyle/>
           <a:p>
+            <a:pPr algn="ctr"/>
             <a:r>
               <a:rPr lang="en-US" sz="5400" dirty="0">
                 <a:solidFill>
@@ -5068,202 +4833,477 @@
                 </a:solidFill>
                 <a:latin typeface="VCR OSD Mono" panose="02000609000000000000" pitchFamily="49" charset="0"/>
               </a:rPr>
-              <a:t>Features at a glance</a:t>
-            </a:r>
-          </a:p>
-        </p:txBody>
-      </p:sp>
-      <p:sp>
-        <p:nvSpPr>
-          <p:cNvPr id="3" name="Content Placeholder 2">
-            <a:extLst>
-              <a:ext uri="{FF2B5EF4-FFF2-40B4-BE49-F238E27FC236}">
-                <a16:creationId xmlns:a16="http://schemas.microsoft.com/office/drawing/2014/main" id="{A81E1E60-A451-3527-7132-75491D8E508E}"/>
-              </a:ext>
-            </a:extLst>
-          </p:cNvPr>
-          <p:cNvSpPr>
-            <a:spLocks noGrp="1"/>
-          </p:cNvSpPr>
-          <p:nvPr>
-            <p:ph idx="1"/>
-          </p:nvPr>
+              <a:t>Inventory</a:t>
+            </a:r>
+          </a:p>
+        </p:txBody>
+      </p:sp>
+      <p:sp>
+        <p:nvSpPr>
+          <p:cNvPr id="4" name="Rectangle: Rounded Corners 3">
+            <a:extLst>
+              <a:ext uri="{FF2B5EF4-FFF2-40B4-BE49-F238E27FC236}">
+                <a16:creationId xmlns:a16="http://schemas.microsoft.com/office/drawing/2014/main" id="{4066D1A0-65D7-E792-2CA9-303EF259AEF3}"/>
+              </a:ext>
+            </a:extLst>
+          </p:cNvPr>
+          <p:cNvSpPr/>
+          <p:nvPr/>
         </p:nvSpPr>
         <p:spPr>
           <a:xfrm>
-            <a:off x="621890" y="1562868"/>
-            <a:ext cx="10515600" cy="4680616"/>
+            <a:off x="1155290" y="2443085"/>
+            <a:ext cx="2158180" cy="1423953"/>
           </a:xfrm>
+          <a:prstGeom prst="roundRect">
+            <a:avLst/>
+          </a:prstGeom>
         </p:spPr>
-        <p:txBody>
-          <a:bodyPr>
-            <a:normAutofit fontScale="92500" lnSpcReduction="10000"/>
+        <p:style>
+          <a:lnRef idx="2">
+            <a:schemeClr val="accent1">
+              <a:shade val="15000"/>
+            </a:schemeClr>
+          </a:lnRef>
+          <a:fillRef idx="1">
+            <a:schemeClr val="accent1"/>
+          </a:fillRef>
+          <a:effectRef idx="0">
+            <a:schemeClr val="accent1"/>
+          </a:effectRef>
+          <a:fontRef idx="minor">
+            <a:schemeClr val="lt1"/>
+          </a:fontRef>
+        </p:style>
+        <p:txBody>
+          <a:bodyPr rtlCol="0" anchor="t"/>
+          <a:lstStyle/>
+          <a:p>
+            <a:pPr algn="ctr"/>
+            <a:r>
+              <a:rPr lang="en-US" dirty="0"/>
+              <a:t>Inventory</a:t>
+            </a:r>
+          </a:p>
+        </p:txBody>
+      </p:sp>
+      <p:sp>
+        <p:nvSpPr>
+          <p:cNvPr id="5" name="Rectangle: Rounded Corners 4">
+            <a:extLst>
+              <a:ext uri="{FF2B5EF4-FFF2-40B4-BE49-F238E27FC236}">
+                <a16:creationId xmlns:a16="http://schemas.microsoft.com/office/drawing/2014/main" id="{CAEEB52E-1F43-4B14-94AF-DCF9556BFCA7}"/>
+              </a:ext>
+            </a:extLst>
+          </p:cNvPr>
+          <p:cNvSpPr/>
+          <p:nvPr/>
+        </p:nvSpPr>
+        <p:spPr>
+          <a:xfrm>
+            <a:off x="1155290" y="4474999"/>
+            <a:ext cx="2158180" cy="1423953"/>
+          </a:xfrm>
+          <a:prstGeom prst="roundRect">
+            <a:avLst/>
+          </a:prstGeom>
+        </p:spPr>
+        <p:style>
+          <a:lnRef idx="2">
+            <a:schemeClr val="accent1">
+              <a:shade val="15000"/>
+            </a:schemeClr>
+          </a:lnRef>
+          <a:fillRef idx="1">
+            <a:schemeClr val="accent1"/>
+          </a:fillRef>
+          <a:effectRef idx="0">
+            <a:schemeClr val="accent1"/>
+          </a:effectRef>
+          <a:fontRef idx="minor">
+            <a:schemeClr val="lt1"/>
+          </a:fontRef>
+        </p:style>
+        <p:txBody>
+          <a:bodyPr rtlCol="0" anchor="t"/>
+          <a:lstStyle/>
+          <a:p>
+            <a:pPr algn="ctr"/>
+            <a:r>
+              <a:rPr lang="en-US" dirty="0" err="1"/>
+              <a:t>UIInventory</a:t>
+            </a:r>
+            <a:endParaRPr lang="en-US" dirty="0"/>
+          </a:p>
+        </p:txBody>
+      </p:sp>
+      <p:sp>
+        <p:nvSpPr>
+          <p:cNvPr id="6" name="Rectangle: Rounded Corners 5">
+            <a:extLst>
+              <a:ext uri="{FF2B5EF4-FFF2-40B4-BE49-F238E27FC236}">
+                <a16:creationId xmlns:a16="http://schemas.microsoft.com/office/drawing/2014/main" id="{2AAE78D3-91F9-B1EE-023B-7C3CB3132442}"/>
+              </a:ext>
+            </a:extLst>
+          </p:cNvPr>
+          <p:cNvSpPr/>
+          <p:nvPr/>
+        </p:nvSpPr>
+        <p:spPr>
+          <a:xfrm>
+            <a:off x="4108654" y="3729156"/>
+            <a:ext cx="2143432" cy="943896"/>
+          </a:xfrm>
+          <a:prstGeom prst="roundRect">
+            <a:avLst/>
+          </a:prstGeom>
+        </p:spPr>
+        <p:style>
+          <a:lnRef idx="2">
+            <a:schemeClr val="accent1">
+              <a:shade val="15000"/>
+            </a:schemeClr>
+          </a:lnRef>
+          <a:fillRef idx="1">
+            <a:schemeClr val="accent1"/>
+          </a:fillRef>
+          <a:effectRef idx="0">
+            <a:schemeClr val="accent1"/>
+          </a:effectRef>
+          <a:fontRef idx="minor">
+            <a:schemeClr val="lt1"/>
+          </a:fontRef>
+        </p:style>
+        <p:txBody>
+          <a:bodyPr rtlCol="0" anchor="ctr"/>
+          <a:lstStyle/>
+          <a:p>
+            <a:pPr algn="ctr"/>
+            <a:r>
+              <a:rPr lang="en-US" dirty="0" err="1"/>
+              <a:t>InventoryController</a:t>
+            </a:r>
+            <a:endParaRPr lang="en-US" dirty="0"/>
+          </a:p>
+        </p:txBody>
+      </p:sp>
+      <p:sp>
+        <p:nvSpPr>
+          <p:cNvPr id="7" name="Rectangle: Rounded Corners 6">
+            <a:extLst>
+              <a:ext uri="{FF2B5EF4-FFF2-40B4-BE49-F238E27FC236}">
+                <a16:creationId xmlns:a16="http://schemas.microsoft.com/office/drawing/2014/main" id="{0BF0C1DD-BB45-6007-8059-F0FEE56F8B7F}"/>
+              </a:ext>
+            </a:extLst>
+          </p:cNvPr>
+          <p:cNvSpPr/>
+          <p:nvPr/>
+        </p:nvSpPr>
+        <p:spPr>
+          <a:xfrm>
+            <a:off x="1602655" y="3017732"/>
+            <a:ext cx="1533835" cy="644996"/>
+          </a:xfrm>
+          <a:prstGeom prst="roundRect">
+            <a:avLst/>
+          </a:prstGeom>
+        </p:spPr>
+        <p:style>
+          <a:lnRef idx="2">
+            <a:schemeClr val="accent1">
+              <a:shade val="15000"/>
+            </a:schemeClr>
+          </a:lnRef>
+          <a:fillRef idx="1">
+            <a:schemeClr val="accent1"/>
+          </a:fillRef>
+          <a:effectRef idx="0">
+            <a:schemeClr val="accent1"/>
+          </a:effectRef>
+          <a:fontRef idx="minor">
+            <a:schemeClr val="lt1"/>
+          </a:fontRef>
+        </p:style>
+        <p:txBody>
+          <a:bodyPr rtlCol="0" anchor="ctr"/>
+          <a:lstStyle/>
+          <a:p>
+            <a:pPr algn="ctr"/>
+            <a:r>
+              <a:rPr lang="en-US" dirty="0" err="1"/>
+              <a:t>InventorySlot</a:t>
+            </a:r>
+            <a:endParaRPr lang="en-US" dirty="0"/>
+          </a:p>
+        </p:txBody>
+      </p:sp>
+      <p:sp>
+        <p:nvSpPr>
+          <p:cNvPr id="8" name="Rectangle: Rounded Corners 7">
+            <a:extLst>
+              <a:ext uri="{FF2B5EF4-FFF2-40B4-BE49-F238E27FC236}">
+                <a16:creationId xmlns:a16="http://schemas.microsoft.com/office/drawing/2014/main" id="{D07EE195-62CF-2A29-9C6D-B209E92E74AE}"/>
+              </a:ext>
+            </a:extLst>
+          </p:cNvPr>
+          <p:cNvSpPr/>
+          <p:nvPr/>
+        </p:nvSpPr>
+        <p:spPr>
+          <a:xfrm>
+            <a:off x="1406012" y="5109487"/>
+            <a:ext cx="1730478" cy="569102"/>
+          </a:xfrm>
+          <a:prstGeom prst="roundRect">
+            <a:avLst/>
+          </a:prstGeom>
+        </p:spPr>
+        <p:style>
+          <a:lnRef idx="2">
+            <a:schemeClr val="accent1">
+              <a:shade val="15000"/>
+            </a:schemeClr>
+          </a:lnRef>
+          <a:fillRef idx="1">
+            <a:schemeClr val="accent1"/>
+          </a:fillRef>
+          <a:effectRef idx="0">
+            <a:schemeClr val="accent1"/>
+          </a:effectRef>
+          <a:fontRef idx="minor">
+            <a:schemeClr val="lt1"/>
+          </a:fontRef>
+        </p:style>
+        <p:txBody>
+          <a:bodyPr rtlCol="0" anchor="ctr"/>
+          <a:lstStyle/>
+          <a:p>
+            <a:pPr algn="ctr"/>
+            <a:r>
+              <a:rPr lang="en-US" dirty="0" err="1"/>
+              <a:t>UIInventorySlot</a:t>
+            </a:r>
+            <a:endParaRPr lang="en-US" dirty="0"/>
+          </a:p>
+        </p:txBody>
+      </p:sp>
+      <p:cxnSp>
+        <p:nvCxnSpPr>
+          <p:cNvPr id="10" name="Straight Arrow Connector 9">
+            <a:extLst>
+              <a:ext uri="{FF2B5EF4-FFF2-40B4-BE49-F238E27FC236}">
+                <a16:creationId xmlns:a16="http://schemas.microsoft.com/office/drawing/2014/main" id="{5FE90F76-EF32-9C7A-9682-F2DF4D9334AC}"/>
+              </a:ext>
+            </a:extLst>
+          </p:cNvPr>
+          <p:cNvCxnSpPr>
+            <a:cxnSpLocks/>
+            <a:stCxn id="6" idx="0"/>
+          </p:cNvCxnSpPr>
+          <p:nvPr/>
+        </p:nvCxnSpPr>
+        <p:spPr>
+          <a:xfrm rot="16200000" flipV="1">
+            <a:off x="3778523" y="2327309"/>
+            <a:ext cx="936795" cy="1866900"/>
+          </a:xfrm>
+          <a:prstGeom prst="bentConnector2">
+            <a:avLst/>
+          </a:prstGeom>
+          <a:ln w="15875">
+            <a:solidFill>
+              <a:schemeClr val="accent2"/>
+            </a:solidFill>
+            <a:tailEnd type="triangle"/>
+          </a:ln>
+        </p:spPr>
+        <p:style>
+          <a:lnRef idx="1">
+            <a:schemeClr val="accent1"/>
+          </a:lnRef>
+          <a:fillRef idx="0">
+            <a:schemeClr val="accent1"/>
+          </a:fillRef>
+          <a:effectRef idx="0">
+            <a:schemeClr val="accent1"/>
+          </a:effectRef>
+          <a:fontRef idx="minor">
+            <a:schemeClr val="tx1"/>
+          </a:fontRef>
+        </p:style>
+      </p:cxnSp>
+      <p:cxnSp>
+        <p:nvCxnSpPr>
+          <p:cNvPr id="15" name="Straight Arrow Connector 14">
+            <a:extLst>
+              <a:ext uri="{FF2B5EF4-FFF2-40B4-BE49-F238E27FC236}">
+                <a16:creationId xmlns:a16="http://schemas.microsoft.com/office/drawing/2014/main" id="{D21A43BD-2B1D-8773-D817-DC937E555D7D}"/>
+              </a:ext>
+            </a:extLst>
+          </p:cNvPr>
+          <p:cNvCxnSpPr>
+            <a:cxnSpLocks/>
+            <a:stCxn id="4" idx="3"/>
+          </p:cNvCxnSpPr>
+          <p:nvPr/>
+        </p:nvCxnSpPr>
+        <p:spPr>
+          <a:xfrm>
+            <a:off x="3313470" y="3155062"/>
+            <a:ext cx="1199537" cy="574094"/>
+          </a:xfrm>
+          <a:prstGeom prst="bentConnector3">
+            <a:avLst>
+              <a:gd name="adj1" fmla="val 100000"/>
+            </a:avLst>
+          </a:prstGeom>
+          <a:ln w="15875">
+            <a:solidFill>
+              <a:schemeClr val="accent2"/>
+            </a:solidFill>
+            <a:prstDash val="dash"/>
+            <a:tailEnd type="triangle"/>
+          </a:ln>
+        </p:spPr>
+        <p:style>
+          <a:lnRef idx="1">
+            <a:schemeClr val="accent1"/>
+          </a:lnRef>
+          <a:fillRef idx="0">
+            <a:schemeClr val="accent1"/>
+          </a:fillRef>
+          <a:effectRef idx="0">
+            <a:schemeClr val="accent1"/>
+          </a:effectRef>
+          <a:fontRef idx="minor">
+            <a:schemeClr val="tx1"/>
+          </a:fontRef>
+        </p:style>
+      </p:cxnSp>
+      <p:cxnSp>
+        <p:nvCxnSpPr>
+          <p:cNvPr id="21" name="Straight Arrow Connector 20">
+            <a:extLst>
+              <a:ext uri="{FF2B5EF4-FFF2-40B4-BE49-F238E27FC236}">
+                <a16:creationId xmlns:a16="http://schemas.microsoft.com/office/drawing/2014/main" id="{41579474-E0B2-D1B1-8EEE-5FAD25D4F4E9}"/>
+              </a:ext>
+            </a:extLst>
+          </p:cNvPr>
+          <p:cNvCxnSpPr>
+            <a:cxnSpLocks/>
+          </p:cNvCxnSpPr>
+          <p:nvPr/>
+        </p:nvCxnSpPr>
+        <p:spPr>
+          <a:xfrm flipV="1">
+            <a:off x="3313470" y="4673052"/>
+            <a:ext cx="1199537" cy="513923"/>
+          </a:xfrm>
+          <a:prstGeom prst="bentConnector3">
+            <a:avLst>
+              <a:gd name="adj1" fmla="val 100820"/>
+            </a:avLst>
+          </a:prstGeom>
+          <a:ln w="15875">
+            <a:prstDash val="dash"/>
+            <a:tailEnd type="triangle"/>
+          </a:ln>
+        </p:spPr>
+        <p:style>
+          <a:lnRef idx="1">
+            <a:schemeClr val="accent2"/>
+          </a:lnRef>
+          <a:fillRef idx="0">
+            <a:schemeClr val="accent2"/>
+          </a:fillRef>
+          <a:effectRef idx="0">
+            <a:schemeClr val="accent2"/>
+          </a:effectRef>
+          <a:fontRef idx="minor">
+            <a:schemeClr val="tx1"/>
+          </a:fontRef>
+        </p:style>
+      </p:cxnSp>
+      <p:cxnSp>
+        <p:nvCxnSpPr>
+          <p:cNvPr id="31" name="Straight Arrow Connector 30">
+            <a:extLst>
+              <a:ext uri="{FF2B5EF4-FFF2-40B4-BE49-F238E27FC236}">
+                <a16:creationId xmlns:a16="http://schemas.microsoft.com/office/drawing/2014/main" id="{B0F45B00-ECE8-87E4-F8B0-20BAA96071EC}"/>
+              </a:ext>
+            </a:extLst>
+          </p:cNvPr>
+          <p:cNvCxnSpPr>
+            <a:cxnSpLocks/>
+            <a:stCxn id="6" idx="2"/>
+          </p:cNvCxnSpPr>
+          <p:nvPr/>
+        </p:nvCxnSpPr>
+        <p:spPr>
+          <a:xfrm rot="5400000">
+            <a:off x="3843912" y="4142610"/>
+            <a:ext cx="806016" cy="1866900"/>
+          </a:xfrm>
+          <a:prstGeom prst="bentConnector2">
+            <a:avLst/>
+          </a:prstGeom>
+          <a:ln w="15875">
+            <a:solidFill>
+              <a:schemeClr val="accent2"/>
+            </a:solidFill>
+            <a:tailEnd type="triangle"/>
+          </a:ln>
+        </p:spPr>
+        <p:style>
+          <a:lnRef idx="1">
+            <a:schemeClr val="accent1"/>
+          </a:lnRef>
+          <a:fillRef idx="0">
+            <a:schemeClr val="accent1"/>
+          </a:fillRef>
+          <a:effectRef idx="0">
+            <a:schemeClr val="accent1"/>
+          </a:effectRef>
+          <a:fontRef idx="minor">
+            <a:schemeClr val="tx1"/>
+          </a:fontRef>
+        </p:style>
+      </p:cxnSp>
+      <p:sp>
+        <p:nvSpPr>
+          <p:cNvPr id="33" name="TextBox 32">
+            <a:extLst>
+              <a:ext uri="{FF2B5EF4-FFF2-40B4-BE49-F238E27FC236}">
+                <a16:creationId xmlns:a16="http://schemas.microsoft.com/office/drawing/2014/main" id="{7AB39390-46C0-31DA-4DE2-398B02E498AF}"/>
+              </a:ext>
+            </a:extLst>
+          </p:cNvPr>
+          <p:cNvSpPr txBox="1"/>
+          <p:nvPr/>
+        </p:nvSpPr>
+        <p:spPr>
+          <a:xfrm>
+            <a:off x="2871650" y="1684370"/>
+            <a:ext cx="883640" cy="523220"/>
+          </a:xfrm>
+          <a:prstGeom prst="rect">
+            <a:avLst/>
+          </a:prstGeom>
+          <a:noFill/>
+        </p:spPr>
+        <p:txBody>
+          <a:bodyPr wrap="none" rtlCol="0">
+            <a:spAutoFit/>
           </a:bodyPr>
           <a:lstStyle/>
           <a:p>
             <a:r>
-              <a:rPr lang="en-US" b="1" dirty="0">
-                <a:solidFill>
-                  <a:schemeClr val="accent6">
-                    <a:lumMod val="60000"/>
-                    <a:lumOff val="40000"/>
-                  </a:schemeClr>
-                </a:solidFill>
-                <a:effectLst>
-                  <a:outerShdw blurRad="38100" dist="38100" dir="2700000" algn="tl">
-                    <a:srgbClr val="000000">
-                      <a:alpha val="43137"/>
-                    </a:srgbClr>
-                  </a:outerShdw>
-                </a:effectLst>
-                <a:latin typeface="VCR OSD Mono" panose="02000609000000000000" pitchFamily="49" charset="0"/>
-              </a:rPr>
-              <a:t>Multi-level Challenges: </a:t>
-            </a:r>
-            <a:r>
-              <a:rPr lang="en-US" dirty="0">
+              <a:rPr lang="en-US" sz="2800" dirty="0">
                 <a:solidFill>
                   <a:schemeClr val="bg1"/>
                 </a:solidFill>
-                <a:latin typeface="VCR OSD Mono" panose="02000609000000000000" pitchFamily="49" charset="0"/>
               </a:rPr>
-              <a:t>Each level presents different environment and set of monsters the player must kill.</a:t>
-            </a:r>
-          </a:p>
-          <a:p>
-            <a:r>
-              <a:rPr lang="en-US" b="1" dirty="0">
-                <a:solidFill>
-                  <a:schemeClr val="accent6">
-                    <a:lumMod val="60000"/>
-                    <a:lumOff val="40000"/>
-                  </a:schemeClr>
-                </a:solidFill>
-                <a:effectLst>
-                  <a:outerShdw blurRad="38100" dist="38100" dir="2700000" algn="tl">
-                    <a:srgbClr val="000000">
-                      <a:alpha val="43137"/>
-                    </a:srgbClr>
-                  </a:outerShdw>
-                </a:effectLst>
-                <a:latin typeface="VCR OSD Mono" panose="02000609000000000000" pitchFamily="49" charset="0"/>
-              </a:rPr>
-              <a:t>Customization and Growth: </a:t>
-            </a:r>
-            <a:r>
-              <a:rPr lang="en-US" b="1" dirty="0">
-                <a:solidFill>
-                  <a:schemeClr val="bg1"/>
-                </a:solidFill>
-                <a:effectLst>
-                  <a:outerShdw blurRad="38100" dist="38100" dir="2700000" algn="tl">
-                    <a:srgbClr val="000000">
-                      <a:alpha val="43137"/>
-                    </a:srgbClr>
-                  </a:outerShdw>
-                </a:effectLst>
-                <a:latin typeface="VCR OSD Mono" panose="02000609000000000000" pitchFamily="49" charset="0"/>
-              </a:rPr>
-              <a:t>Player can equip </a:t>
-            </a:r>
-            <a:r>
-              <a:rPr lang="en-US" dirty="0">
-                <a:solidFill>
-                  <a:schemeClr val="bg1"/>
-                </a:solidFill>
-                <a:latin typeface="VCR OSD Mono" panose="02000609000000000000" pitchFamily="49" charset="0"/>
-              </a:rPr>
-              <a:t>various armor sets and weapons to suit his playstyle.</a:t>
-            </a:r>
-          </a:p>
-          <a:p>
-            <a:r>
-              <a:rPr lang="en-US" b="1" dirty="0">
-                <a:solidFill>
-                  <a:schemeClr val="accent6">
-                    <a:lumMod val="60000"/>
-                    <a:lumOff val="40000"/>
-                  </a:schemeClr>
-                </a:solidFill>
-                <a:effectLst>
-                  <a:outerShdw blurRad="38100" dist="38100" dir="2700000" algn="tl">
-                    <a:srgbClr val="000000">
-                      <a:alpha val="43137"/>
-                    </a:srgbClr>
-                  </a:outerShdw>
-                </a:effectLst>
-                <a:latin typeface="VCR OSD Mono" panose="02000609000000000000" pitchFamily="49" charset="0"/>
-              </a:rPr>
-              <a:t>Healing Mechanisms:</a:t>
-            </a:r>
-            <a:r>
-              <a:rPr lang="en-US" dirty="0">
-                <a:solidFill>
-                  <a:schemeClr val="bg1"/>
-                </a:solidFill>
-                <a:latin typeface="VCR OSD Mono" panose="02000609000000000000" pitchFamily="49" charset="0"/>
-              </a:rPr>
-              <a:t> Utilize potions to heal and sustain Seong through his trials.</a:t>
-            </a:r>
-          </a:p>
-          <a:p>
-            <a:r>
-              <a:rPr lang="en-US" b="1" dirty="0">
-                <a:solidFill>
-                  <a:schemeClr val="accent6">
-                    <a:lumMod val="60000"/>
-                    <a:lumOff val="40000"/>
-                  </a:schemeClr>
-                </a:solidFill>
-                <a:effectLst>
-                  <a:outerShdw blurRad="38100" dist="38100" dir="2700000" algn="tl">
-                    <a:srgbClr val="000000">
-                      <a:alpha val="43137"/>
-                    </a:srgbClr>
-                  </a:outerShdw>
-                </a:effectLst>
-                <a:latin typeface="VCR OSD Mono" panose="02000609000000000000" pitchFamily="49" charset="0"/>
-              </a:rPr>
-              <a:t>Game Audio: </a:t>
-            </a:r>
-            <a:r>
-              <a:rPr lang="en-US" dirty="0">
-                <a:solidFill>
-                  <a:schemeClr val="bg1"/>
-                </a:solidFill>
-                <a:latin typeface="VCR OSD Mono" panose="02000609000000000000" pitchFamily="49" charset="0"/>
-              </a:rPr>
-              <a:t>A soundtrack that enhances the atmospheric depth of the game world.</a:t>
-            </a:r>
-          </a:p>
-          <a:p>
-            <a:r>
-              <a:rPr lang="en-US" b="1" dirty="0">
-                <a:solidFill>
-                  <a:schemeClr val="accent6">
-                    <a:lumMod val="60000"/>
-                    <a:lumOff val="40000"/>
-                  </a:schemeClr>
-                </a:solidFill>
-                <a:effectLst>
-                  <a:outerShdw blurRad="38100" dist="38100" dir="2700000" algn="tl">
-                    <a:srgbClr val="000000">
-                      <a:alpha val="43137"/>
-                    </a:srgbClr>
-                  </a:outerShdw>
-                </a:effectLst>
-                <a:latin typeface="VCR OSD Mono" panose="02000609000000000000" pitchFamily="49" charset="0"/>
-              </a:rPr>
-              <a:t>Save Feature: </a:t>
-            </a:r>
-            <a:r>
-              <a:rPr lang="en-US" dirty="0">
-                <a:solidFill>
-                  <a:schemeClr val="bg1"/>
-                </a:solidFill>
-                <a:latin typeface="VCR OSD Mono" panose="02000609000000000000" pitchFamily="49" charset="0"/>
-              </a:rPr>
-              <a:t>Progress through the challenging world of 'Dreamer's Conquest' with the ability to save your game, ensuring that no adventure is lost.</a:t>
+              <a:t>MVC</a:t>
             </a:r>
           </a:p>
         </p:txBody>
@@ -5271,7 +5311,7 @@
     </p:spTree>
     <p:extLst>
       <p:ext uri="{BB962C8B-B14F-4D97-AF65-F5344CB8AC3E}">
-        <p14:creationId xmlns:p14="http://schemas.microsoft.com/office/powerpoint/2010/main" val="1440086713"/>
+        <p14:creationId xmlns:p14="http://schemas.microsoft.com/office/powerpoint/2010/main" val="306906811"/>
       </p:ext>
     </p:extLst>
   </p:cSld>
@@ -5328,7 +5368,7 @@
                 </a:solidFill>
                 <a:latin typeface="VCR OSD Mono" panose="02000609000000000000" pitchFamily="49" charset="0"/>
               </a:rPr>
-              <a:t>Enemies</a:t>
+              <a:t>Video demo of inventory</a:t>
             </a:r>
           </a:p>
         </p:txBody>
@@ -5368,29 +5408,7 @@
                 </a:solidFill>
                 <a:latin typeface="VCR OSD Mono" panose="02000609000000000000" pitchFamily="49" charset="0"/>
               </a:rPr>
-              <a:t>In our game we presented a player with challenges in the form of various enemies, which include Orcs, Goblins and a Skeletons.</a:t>
-            </a:r>
-          </a:p>
-          <a:p>
-            <a:r>
-              <a:rPr lang="en-US" dirty="0">
-                <a:solidFill>
-                  <a:schemeClr val="bg1"/>
-                </a:solidFill>
-                <a:latin typeface="VCR OSD Mono" panose="02000609000000000000" pitchFamily="49" charset="0"/>
-              </a:rPr>
-              <a:t>Each enemy has its own characteristic like, for example, Orc deals greater challenge to a player, but he is slower than a Goblin and a Skeleton can shoot arrows at a player.</a:t>
-            </a:r>
-          </a:p>
-          <a:p>
-            <a:r>
-              <a:rPr lang="en-US" dirty="0">
-                <a:solidFill>
-                  <a:schemeClr val="bg1"/>
-                </a:solidFill>
-                <a:latin typeface="VCR OSD Mono" panose="02000609000000000000" pitchFamily="49" charset="0"/>
-              </a:rPr>
-              <a:t>Enemies located at random places on the levels and the player must kill them all in order to progress further in the story.</a:t>
+              <a:t>Here we could show in a video montage how the inventory works.</a:t>
             </a:r>
           </a:p>
         </p:txBody>
@@ -5398,7 +5416,7 @@
     </p:spTree>
     <p:extLst>
       <p:ext uri="{BB962C8B-B14F-4D97-AF65-F5344CB8AC3E}">
-        <p14:creationId xmlns:p14="http://schemas.microsoft.com/office/powerpoint/2010/main" val="955874660"/>
+        <p14:creationId xmlns:p14="http://schemas.microsoft.com/office/powerpoint/2010/main" val="2817365206"/>
       </p:ext>
     </p:extLst>
   </p:cSld>
@@ -5455,7 +5473,7 @@
                 </a:solidFill>
                 <a:latin typeface="VCR OSD Mono" panose="02000609000000000000" pitchFamily="49" charset="0"/>
               </a:rPr>
-              <a:t>Video of enemies</a:t>
+              <a:t>Skill upgrades</a:t>
             </a:r>
           </a:p>
         </p:txBody>
@@ -5495,7 +5513,7 @@
                 </a:solidFill>
                 <a:latin typeface="VCR OSD Mono" panose="02000609000000000000" pitchFamily="49" charset="0"/>
               </a:rPr>
-              <a:t>On this slide we could present a montage of the enemies and how they attack a player.</a:t>
+              <a:t>Description of skills</a:t>
             </a:r>
           </a:p>
         </p:txBody>
@@ -5503,7 +5521,7 @@
     </p:spTree>
     <p:extLst>
       <p:ext uri="{BB962C8B-B14F-4D97-AF65-F5344CB8AC3E}">
-        <p14:creationId xmlns:p14="http://schemas.microsoft.com/office/powerpoint/2010/main" val="1935809162"/>
+        <p14:creationId xmlns:p14="http://schemas.microsoft.com/office/powerpoint/2010/main" val="1642221287"/>
       </p:ext>
     </p:extLst>
   </p:cSld>
@@ -5560,7 +5578,7 @@
                 </a:solidFill>
                 <a:latin typeface="VCR OSD Mono" panose="02000609000000000000" pitchFamily="49" charset="0"/>
               </a:rPr>
-              <a:t>Inventory</a:t>
+              <a:t>Level transition</a:t>
             </a:r>
           </a:p>
         </p:txBody>
@@ -5589,7 +5607,7 @@
         </p:spPr>
         <p:txBody>
           <a:bodyPr>
-            <a:normAutofit lnSpcReduction="10000"/>
+            <a:normAutofit/>
           </a:bodyPr>
           <a:lstStyle/>
           <a:p>
@@ -5600,46 +5618,7 @@
                 </a:solidFill>
                 <a:latin typeface="VCR OSD Mono" panose="02000609000000000000" pitchFamily="49" charset="0"/>
               </a:rPr>
-              <a:t>Player can of course defend himself by attacking the enemies first.</a:t>
-            </a:r>
-          </a:p>
-          <a:p>
-            <a:r>
-              <a:rPr lang="en-US" dirty="0">
-                <a:solidFill>
-                  <a:schemeClr val="bg1"/>
-                </a:solidFill>
-                <a:latin typeface="VCR OSD Mono" panose="02000609000000000000" pitchFamily="49" charset="0"/>
-              </a:rPr>
-              <a:t>Each level presents a player with some loot which can be picked up from the ground or looted from the killed enemies.</a:t>
-            </a:r>
-          </a:p>
-          <a:p>
-            <a:r>
-              <a:rPr lang="en-US" dirty="0">
-                <a:solidFill>
-                  <a:schemeClr val="bg1"/>
-                </a:solidFill>
-                <a:latin typeface="VCR OSD Mono" panose="02000609000000000000" pitchFamily="49" charset="0"/>
-              </a:rPr>
-              <a:t>Each loot represents either a piece of armor to increase durability of a plyer, a weapon like sword to deal greater damage to enemies and a potions to restore health.</a:t>
-            </a:r>
-            <a:endParaRPr lang="ru-RU" dirty="0">
-              <a:solidFill>
-                <a:schemeClr val="bg1"/>
-              </a:solidFill>
-              <a:latin typeface="VCR OSD Mono" panose="02000609000000000000" pitchFamily="49" charset="0"/>
-            </a:endParaRPr>
-          </a:p>
-          <a:p>
-            <a:r>
-              <a:rPr lang="en-US" dirty="0">
-                <a:solidFill>
-                  <a:schemeClr val="bg1"/>
-                </a:solidFill>
-                <a:latin typeface="VCR OSD Mono" panose="02000609000000000000" pitchFamily="49" charset="0"/>
-              </a:rPr>
-              <a:t>In order to equip an item player should open his inventory put the item into corresponding slot.</a:t>
+              <a:t>Description of transition</a:t>
             </a:r>
           </a:p>
         </p:txBody>
@@ -5647,7 +5626,7 @@
     </p:spTree>
     <p:extLst>
       <p:ext uri="{BB962C8B-B14F-4D97-AF65-F5344CB8AC3E}">
-        <p14:creationId xmlns:p14="http://schemas.microsoft.com/office/powerpoint/2010/main" val="306906811"/>
+        <p14:creationId xmlns:p14="http://schemas.microsoft.com/office/powerpoint/2010/main" val="3032545968"/>
       </p:ext>
     </p:extLst>
   </p:cSld>
@@ -5704,7 +5683,7 @@
                 </a:solidFill>
                 <a:latin typeface="VCR OSD Mono" panose="02000609000000000000" pitchFamily="49" charset="0"/>
               </a:rPr>
-              <a:t>Video demo of inventory</a:t>
+              <a:t>Saving progress</a:t>
             </a:r>
           </a:p>
         </p:txBody>
@@ -5737,22 +5716,19 @@
           </a:bodyPr>
           <a:lstStyle/>
           <a:p>
-            <a:r>
-              <a:rPr lang="en-US" dirty="0">
-                <a:solidFill>
-                  <a:schemeClr val="bg1"/>
-                </a:solidFill>
-                <a:latin typeface="VCR OSD Mono" panose="02000609000000000000" pitchFamily="49" charset="0"/>
-              </a:rPr>
-              <a:t>Here we could show in a video montage how the inventory works.</a:t>
-            </a:r>
+            <a:endParaRPr lang="en-US" dirty="0">
+              <a:solidFill>
+                <a:schemeClr val="bg1"/>
+              </a:solidFill>
+              <a:latin typeface="VCR OSD Mono" panose="02000609000000000000" pitchFamily="49" charset="0"/>
+            </a:endParaRPr>
           </a:p>
         </p:txBody>
       </p:sp>
     </p:spTree>
     <p:extLst>
       <p:ext uri="{BB962C8B-B14F-4D97-AF65-F5344CB8AC3E}">
-        <p14:creationId xmlns:p14="http://schemas.microsoft.com/office/powerpoint/2010/main" val="2817365206"/>
+        <p14:creationId xmlns:p14="http://schemas.microsoft.com/office/powerpoint/2010/main" val="4229034692"/>
       </p:ext>
     </p:extLst>
   </p:cSld>
@@ -5849,29 +5825,607 @@
                 </a:solidFill>
                 <a:latin typeface="VCR OSD Mono" panose="02000609000000000000" pitchFamily="49" charset="0"/>
               </a:rPr>
-              <a:t>Player can utilize weapons he finds during the game to kill the enemies.</a:t>
-            </a:r>
-          </a:p>
-          <a:p>
-            <a:r>
-              <a:rPr lang="en-US" dirty="0">
-                <a:solidFill>
-                  <a:schemeClr val="bg1"/>
-                </a:solidFill>
-                <a:latin typeface="VCR OSD Mono" panose="02000609000000000000" pitchFamily="49" charset="0"/>
-              </a:rPr>
-              <a:t>Each weapon deals different damage.</a:t>
-            </a:r>
-          </a:p>
-          <a:p>
-            <a:r>
-              <a:rPr lang="en-US" dirty="0">
-                <a:solidFill>
-                  <a:schemeClr val="bg1"/>
-                </a:solidFill>
-                <a:latin typeface="VCR OSD Mono" panose="02000609000000000000" pitchFamily="49" charset="0"/>
-              </a:rPr>
-              <a:t>Player can also use shields to block incoming enemy attacks.</a:t>
+              <a:t>Component-Based architecture </a:t>
+            </a:r>
+          </a:p>
+        </p:txBody>
+      </p:sp>
+      <p:sp>
+        <p:nvSpPr>
+          <p:cNvPr id="4" name="Rectangle: Rounded Corners 3">
+            <a:extLst>
+              <a:ext uri="{FF2B5EF4-FFF2-40B4-BE49-F238E27FC236}">
+                <a16:creationId xmlns:a16="http://schemas.microsoft.com/office/drawing/2014/main" id="{735101B2-FE55-9208-AA13-4D3DA8C9283C}"/>
+              </a:ext>
+            </a:extLst>
+          </p:cNvPr>
+          <p:cNvSpPr/>
+          <p:nvPr/>
+        </p:nvSpPr>
+        <p:spPr>
+          <a:xfrm>
+            <a:off x="1671484" y="2792361"/>
+            <a:ext cx="2753032" cy="3588774"/>
+          </a:xfrm>
+          <a:prstGeom prst="roundRect">
+            <a:avLst/>
+          </a:prstGeom>
+        </p:spPr>
+        <p:style>
+          <a:lnRef idx="2">
+            <a:schemeClr val="accent1">
+              <a:shade val="15000"/>
+            </a:schemeClr>
+          </a:lnRef>
+          <a:fillRef idx="1">
+            <a:schemeClr val="accent1"/>
+          </a:fillRef>
+          <a:effectRef idx="0">
+            <a:schemeClr val="accent1"/>
+          </a:effectRef>
+          <a:fontRef idx="minor">
+            <a:schemeClr val="lt1"/>
+          </a:fontRef>
+        </p:style>
+        <p:txBody>
+          <a:bodyPr rtlCol="0" anchor="t"/>
+          <a:lstStyle/>
+          <a:p>
+            <a:pPr algn="ctr"/>
+            <a:r>
+              <a:rPr lang="en-US" dirty="0"/>
+              <a:t>Player Game Object</a:t>
+            </a:r>
+          </a:p>
+        </p:txBody>
+      </p:sp>
+      <p:sp>
+        <p:nvSpPr>
+          <p:cNvPr id="5" name="Rectangle: Rounded Corners 4">
+            <a:extLst>
+              <a:ext uri="{FF2B5EF4-FFF2-40B4-BE49-F238E27FC236}">
+                <a16:creationId xmlns:a16="http://schemas.microsoft.com/office/drawing/2014/main" id="{26EB9B99-83DA-CA4E-A775-16AEAF0F6A9E}"/>
+              </a:ext>
+            </a:extLst>
+          </p:cNvPr>
+          <p:cNvSpPr/>
+          <p:nvPr/>
+        </p:nvSpPr>
+        <p:spPr>
+          <a:xfrm>
+            <a:off x="2045110" y="3429000"/>
+            <a:ext cx="1907458" cy="444449"/>
+          </a:xfrm>
+          <a:prstGeom prst="roundRect">
+            <a:avLst/>
+          </a:prstGeom>
+        </p:spPr>
+        <p:style>
+          <a:lnRef idx="2">
+            <a:schemeClr val="accent1">
+              <a:shade val="15000"/>
+            </a:schemeClr>
+          </a:lnRef>
+          <a:fillRef idx="1">
+            <a:schemeClr val="accent1"/>
+          </a:fillRef>
+          <a:effectRef idx="0">
+            <a:schemeClr val="accent1"/>
+          </a:effectRef>
+          <a:fontRef idx="minor">
+            <a:schemeClr val="lt1"/>
+          </a:fontRef>
+        </p:style>
+        <p:txBody>
+          <a:bodyPr rtlCol="0" anchor="ctr"/>
+          <a:lstStyle/>
+          <a:p>
+            <a:pPr algn="ctr"/>
+            <a:r>
+              <a:rPr lang="en-US" dirty="0" err="1"/>
+              <a:t>PlayerController</a:t>
+            </a:r>
+            <a:endParaRPr lang="en-US" dirty="0"/>
+          </a:p>
+        </p:txBody>
+      </p:sp>
+      <p:sp>
+        <p:nvSpPr>
+          <p:cNvPr id="6" name="Rectangle: Rounded Corners 5">
+            <a:extLst>
+              <a:ext uri="{FF2B5EF4-FFF2-40B4-BE49-F238E27FC236}">
+                <a16:creationId xmlns:a16="http://schemas.microsoft.com/office/drawing/2014/main" id="{9B8AB93B-4332-457B-2002-CAB206994686}"/>
+              </a:ext>
+            </a:extLst>
+          </p:cNvPr>
+          <p:cNvSpPr/>
+          <p:nvPr/>
+        </p:nvSpPr>
+        <p:spPr>
+          <a:xfrm>
+            <a:off x="2045110" y="3903176"/>
+            <a:ext cx="1907458" cy="444449"/>
+          </a:xfrm>
+          <a:prstGeom prst="roundRect">
+            <a:avLst/>
+          </a:prstGeom>
+        </p:spPr>
+        <p:style>
+          <a:lnRef idx="2">
+            <a:schemeClr val="accent1">
+              <a:shade val="15000"/>
+            </a:schemeClr>
+          </a:lnRef>
+          <a:fillRef idx="1">
+            <a:schemeClr val="accent1"/>
+          </a:fillRef>
+          <a:effectRef idx="0">
+            <a:schemeClr val="accent1"/>
+          </a:effectRef>
+          <a:fontRef idx="minor">
+            <a:schemeClr val="lt1"/>
+          </a:fontRef>
+        </p:style>
+        <p:txBody>
+          <a:bodyPr rtlCol="0" anchor="ctr"/>
+          <a:lstStyle/>
+          <a:p>
+            <a:pPr algn="ctr"/>
+            <a:r>
+              <a:rPr lang="en-US" dirty="0"/>
+              <a:t>Transform</a:t>
+            </a:r>
+          </a:p>
+        </p:txBody>
+      </p:sp>
+      <p:sp>
+        <p:nvSpPr>
+          <p:cNvPr id="7" name="Rectangle: Rounded Corners 6">
+            <a:extLst>
+              <a:ext uri="{FF2B5EF4-FFF2-40B4-BE49-F238E27FC236}">
+                <a16:creationId xmlns:a16="http://schemas.microsoft.com/office/drawing/2014/main" id="{0501439B-FAEB-A83D-8DD1-52919B0CB084}"/>
+              </a:ext>
+            </a:extLst>
+          </p:cNvPr>
+          <p:cNvSpPr/>
+          <p:nvPr/>
+        </p:nvSpPr>
+        <p:spPr>
+          <a:xfrm>
+            <a:off x="2045110" y="4412533"/>
+            <a:ext cx="1907458" cy="444449"/>
+          </a:xfrm>
+          <a:prstGeom prst="roundRect">
+            <a:avLst/>
+          </a:prstGeom>
+        </p:spPr>
+        <p:style>
+          <a:lnRef idx="2">
+            <a:schemeClr val="accent1">
+              <a:shade val="15000"/>
+            </a:schemeClr>
+          </a:lnRef>
+          <a:fillRef idx="1">
+            <a:schemeClr val="accent1"/>
+          </a:fillRef>
+          <a:effectRef idx="0">
+            <a:schemeClr val="accent1"/>
+          </a:effectRef>
+          <a:fontRef idx="minor">
+            <a:schemeClr val="lt1"/>
+          </a:fontRef>
+        </p:style>
+        <p:txBody>
+          <a:bodyPr rtlCol="0" anchor="ctr"/>
+          <a:lstStyle/>
+          <a:p>
+            <a:pPr algn="ctr"/>
+            <a:r>
+              <a:rPr lang="en-US" dirty="0" err="1"/>
+              <a:t>HealthController</a:t>
+            </a:r>
+            <a:endParaRPr lang="en-US" dirty="0"/>
+          </a:p>
+        </p:txBody>
+      </p:sp>
+      <p:sp>
+        <p:nvSpPr>
+          <p:cNvPr id="12" name="Rectangle: Rounded Corners 11">
+            <a:extLst>
+              <a:ext uri="{FF2B5EF4-FFF2-40B4-BE49-F238E27FC236}">
+                <a16:creationId xmlns:a16="http://schemas.microsoft.com/office/drawing/2014/main" id="{FBE9FC90-C865-9A21-8C99-189562A6C16E}"/>
+              </a:ext>
+            </a:extLst>
+          </p:cNvPr>
+          <p:cNvSpPr/>
+          <p:nvPr/>
+        </p:nvSpPr>
+        <p:spPr>
+          <a:xfrm>
+            <a:off x="4984957" y="2792361"/>
+            <a:ext cx="2753032" cy="3588774"/>
+          </a:xfrm>
+          <a:prstGeom prst="roundRect">
+            <a:avLst/>
+          </a:prstGeom>
+        </p:spPr>
+        <p:style>
+          <a:lnRef idx="2">
+            <a:schemeClr val="accent1">
+              <a:shade val="15000"/>
+            </a:schemeClr>
+          </a:lnRef>
+          <a:fillRef idx="1">
+            <a:schemeClr val="accent1"/>
+          </a:fillRef>
+          <a:effectRef idx="0">
+            <a:schemeClr val="accent1"/>
+          </a:effectRef>
+          <a:fontRef idx="minor">
+            <a:schemeClr val="lt1"/>
+          </a:fontRef>
+        </p:style>
+        <p:txBody>
+          <a:bodyPr rtlCol="0" anchor="t"/>
+          <a:lstStyle/>
+          <a:p>
+            <a:pPr algn="ctr"/>
+            <a:r>
+              <a:rPr lang="en-US" dirty="0"/>
+              <a:t>Goblin Game Object</a:t>
+            </a:r>
+          </a:p>
+        </p:txBody>
+      </p:sp>
+      <p:sp>
+        <p:nvSpPr>
+          <p:cNvPr id="13" name="Rectangle: Rounded Corners 12">
+            <a:extLst>
+              <a:ext uri="{FF2B5EF4-FFF2-40B4-BE49-F238E27FC236}">
+                <a16:creationId xmlns:a16="http://schemas.microsoft.com/office/drawing/2014/main" id="{0BE72B76-7CC4-8E52-08C1-E2F17CBD6B85}"/>
+              </a:ext>
+            </a:extLst>
+          </p:cNvPr>
+          <p:cNvSpPr/>
+          <p:nvPr/>
+        </p:nvSpPr>
+        <p:spPr>
+          <a:xfrm>
+            <a:off x="5358583" y="3429000"/>
+            <a:ext cx="1907458" cy="444449"/>
+          </a:xfrm>
+          <a:prstGeom prst="roundRect">
+            <a:avLst/>
+          </a:prstGeom>
+        </p:spPr>
+        <p:style>
+          <a:lnRef idx="2">
+            <a:schemeClr val="accent1">
+              <a:shade val="15000"/>
+            </a:schemeClr>
+          </a:lnRef>
+          <a:fillRef idx="1">
+            <a:schemeClr val="accent1"/>
+          </a:fillRef>
+          <a:effectRef idx="0">
+            <a:schemeClr val="accent1"/>
+          </a:effectRef>
+          <a:fontRef idx="minor">
+            <a:schemeClr val="lt1"/>
+          </a:fontRef>
+        </p:style>
+        <p:txBody>
+          <a:bodyPr rtlCol="0" anchor="ctr"/>
+          <a:lstStyle/>
+          <a:p>
+            <a:pPr algn="ctr"/>
+            <a:r>
+              <a:rPr lang="en-US" dirty="0" err="1"/>
+              <a:t>GoblinController</a:t>
+            </a:r>
+            <a:endParaRPr lang="en-US" dirty="0"/>
+          </a:p>
+        </p:txBody>
+      </p:sp>
+      <p:sp>
+        <p:nvSpPr>
+          <p:cNvPr id="14" name="Rectangle: Rounded Corners 13">
+            <a:extLst>
+              <a:ext uri="{FF2B5EF4-FFF2-40B4-BE49-F238E27FC236}">
+                <a16:creationId xmlns:a16="http://schemas.microsoft.com/office/drawing/2014/main" id="{5597EA6A-EA5B-A14A-596F-1B9EDE3C46D6}"/>
+              </a:ext>
+            </a:extLst>
+          </p:cNvPr>
+          <p:cNvSpPr/>
+          <p:nvPr/>
+        </p:nvSpPr>
+        <p:spPr>
+          <a:xfrm>
+            <a:off x="5358583" y="3903176"/>
+            <a:ext cx="1907458" cy="444449"/>
+          </a:xfrm>
+          <a:prstGeom prst="roundRect">
+            <a:avLst/>
+          </a:prstGeom>
+        </p:spPr>
+        <p:style>
+          <a:lnRef idx="2">
+            <a:schemeClr val="accent1">
+              <a:shade val="15000"/>
+            </a:schemeClr>
+          </a:lnRef>
+          <a:fillRef idx="1">
+            <a:schemeClr val="accent1"/>
+          </a:fillRef>
+          <a:effectRef idx="0">
+            <a:schemeClr val="accent1"/>
+          </a:effectRef>
+          <a:fontRef idx="minor">
+            <a:schemeClr val="lt1"/>
+          </a:fontRef>
+        </p:style>
+        <p:txBody>
+          <a:bodyPr rtlCol="0" anchor="ctr"/>
+          <a:lstStyle/>
+          <a:p>
+            <a:pPr algn="ctr"/>
+            <a:r>
+              <a:rPr lang="en-US" dirty="0"/>
+              <a:t>Transform</a:t>
+            </a:r>
+          </a:p>
+        </p:txBody>
+      </p:sp>
+      <p:sp>
+        <p:nvSpPr>
+          <p:cNvPr id="15" name="Rectangle: Rounded Corners 14">
+            <a:extLst>
+              <a:ext uri="{FF2B5EF4-FFF2-40B4-BE49-F238E27FC236}">
+                <a16:creationId xmlns:a16="http://schemas.microsoft.com/office/drawing/2014/main" id="{1FBE4507-C8FE-FFE9-7317-2167BA29FB6D}"/>
+              </a:ext>
+            </a:extLst>
+          </p:cNvPr>
+          <p:cNvSpPr/>
+          <p:nvPr/>
+        </p:nvSpPr>
+        <p:spPr>
+          <a:xfrm>
+            <a:off x="5358583" y="4412533"/>
+            <a:ext cx="1907458" cy="513428"/>
+          </a:xfrm>
+          <a:prstGeom prst="roundRect">
+            <a:avLst/>
+          </a:prstGeom>
+        </p:spPr>
+        <p:style>
+          <a:lnRef idx="2">
+            <a:schemeClr val="accent1">
+              <a:shade val="15000"/>
+            </a:schemeClr>
+          </a:lnRef>
+          <a:fillRef idx="1">
+            <a:schemeClr val="accent1"/>
+          </a:fillRef>
+          <a:effectRef idx="0">
+            <a:schemeClr val="accent1"/>
+          </a:effectRef>
+          <a:fontRef idx="minor">
+            <a:schemeClr val="lt1"/>
+          </a:fontRef>
+        </p:style>
+        <p:txBody>
+          <a:bodyPr rtlCol="0" anchor="ctr"/>
+          <a:lstStyle/>
+          <a:p>
+            <a:pPr algn="ctr"/>
+            <a:r>
+              <a:rPr lang="en-US" dirty="0" err="1"/>
+              <a:t>Damagable</a:t>
+            </a:r>
+            <a:r>
+              <a:rPr lang="en-US" dirty="0"/>
+              <a:t> Character</a:t>
+            </a:r>
+          </a:p>
+        </p:txBody>
+      </p:sp>
+      <p:sp>
+        <p:nvSpPr>
+          <p:cNvPr id="16" name="Rectangle: Rounded Corners 15">
+            <a:extLst>
+              <a:ext uri="{FF2B5EF4-FFF2-40B4-BE49-F238E27FC236}">
+                <a16:creationId xmlns:a16="http://schemas.microsoft.com/office/drawing/2014/main" id="{224D587F-66EF-CA23-F677-EDFD36DACB45}"/>
+              </a:ext>
+            </a:extLst>
+          </p:cNvPr>
+          <p:cNvSpPr/>
+          <p:nvPr/>
+        </p:nvSpPr>
+        <p:spPr>
+          <a:xfrm>
+            <a:off x="8205020" y="2792361"/>
+            <a:ext cx="2753032" cy="3588774"/>
+          </a:xfrm>
+          <a:prstGeom prst="roundRect">
+            <a:avLst/>
+          </a:prstGeom>
+        </p:spPr>
+        <p:style>
+          <a:lnRef idx="2">
+            <a:schemeClr val="accent1">
+              <a:shade val="15000"/>
+            </a:schemeClr>
+          </a:lnRef>
+          <a:fillRef idx="1">
+            <a:schemeClr val="accent1"/>
+          </a:fillRef>
+          <a:effectRef idx="0">
+            <a:schemeClr val="accent1"/>
+          </a:effectRef>
+          <a:fontRef idx="minor">
+            <a:schemeClr val="lt1"/>
+          </a:fontRef>
+        </p:style>
+        <p:txBody>
+          <a:bodyPr rtlCol="0" anchor="t"/>
+          <a:lstStyle/>
+          <a:p>
+            <a:pPr algn="ctr"/>
+            <a:r>
+              <a:rPr lang="en-US" dirty="0"/>
+              <a:t>Skeleton Game Object</a:t>
+            </a:r>
+          </a:p>
+        </p:txBody>
+      </p:sp>
+      <p:sp>
+        <p:nvSpPr>
+          <p:cNvPr id="17" name="Rectangle: Rounded Corners 16">
+            <a:extLst>
+              <a:ext uri="{FF2B5EF4-FFF2-40B4-BE49-F238E27FC236}">
+                <a16:creationId xmlns:a16="http://schemas.microsoft.com/office/drawing/2014/main" id="{C0F7EBDD-43DC-8E58-6594-145A1525733A}"/>
+              </a:ext>
+            </a:extLst>
+          </p:cNvPr>
+          <p:cNvSpPr/>
+          <p:nvPr/>
+        </p:nvSpPr>
+        <p:spPr>
+          <a:xfrm>
+            <a:off x="8551607" y="3429000"/>
+            <a:ext cx="2059857" cy="444449"/>
+          </a:xfrm>
+          <a:prstGeom prst="roundRect">
+            <a:avLst/>
+          </a:prstGeom>
+        </p:spPr>
+        <p:style>
+          <a:lnRef idx="2">
+            <a:schemeClr val="accent1">
+              <a:shade val="15000"/>
+            </a:schemeClr>
+          </a:lnRef>
+          <a:fillRef idx="1">
+            <a:schemeClr val="accent1"/>
+          </a:fillRef>
+          <a:effectRef idx="0">
+            <a:schemeClr val="accent1"/>
+          </a:effectRef>
+          <a:fontRef idx="minor">
+            <a:schemeClr val="lt1"/>
+          </a:fontRef>
+        </p:style>
+        <p:txBody>
+          <a:bodyPr rtlCol="0" anchor="ctr"/>
+          <a:lstStyle/>
+          <a:p>
+            <a:pPr algn="ctr"/>
+            <a:r>
+              <a:rPr lang="en-US" dirty="0" err="1"/>
+              <a:t>SkeletonController</a:t>
+            </a:r>
+            <a:endParaRPr lang="en-US" dirty="0"/>
+          </a:p>
+        </p:txBody>
+      </p:sp>
+      <p:sp>
+        <p:nvSpPr>
+          <p:cNvPr id="18" name="Rectangle: Rounded Corners 17">
+            <a:extLst>
+              <a:ext uri="{FF2B5EF4-FFF2-40B4-BE49-F238E27FC236}">
+                <a16:creationId xmlns:a16="http://schemas.microsoft.com/office/drawing/2014/main" id="{B2F5F373-1C6A-0BB9-66FC-6755BB825E0A}"/>
+              </a:ext>
+            </a:extLst>
+          </p:cNvPr>
+          <p:cNvSpPr/>
+          <p:nvPr/>
+        </p:nvSpPr>
+        <p:spPr>
+          <a:xfrm>
+            <a:off x="8578646" y="3903176"/>
+            <a:ext cx="1907458" cy="444449"/>
+          </a:xfrm>
+          <a:prstGeom prst="roundRect">
+            <a:avLst/>
+          </a:prstGeom>
+        </p:spPr>
+        <p:style>
+          <a:lnRef idx="2">
+            <a:schemeClr val="accent1">
+              <a:shade val="15000"/>
+            </a:schemeClr>
+          </a:lnRef>
+          <a:fillRef idx="1">
+            <a:schemeClr val="accent1"/>
+          </a:fillRef>
+          <a:effectRef idx="0">
+            <a:schemeClr val="accent1"/>
+          </a:effectRef>
+          <a:fontRef idx="minor">
+            <a:schemeClr val="lt1"/>
+          </a:fontRef>
+        </p:style>
+        <p:txBody>
+          <a:bodyPr rtlCol="0" anchor="ctr"/>
+          <a:lstStyle/>
+          <a:p>
+            <a:pPr algn="ctr"/>
+            <a:r>
+              <a:rPr lang="en-US" dirty="0"/>
+              <a:t>Transform</a:t>
+            </a:r>
+          </a:p>
+        </p:txBody>
+      </p:sp>
+      <p:sp>
+        <p:nvSpPr>
+          <p:cNvPr id="19" name="Rectangle: Rounded Corners 18">
+            <a:extLst>
+              <a:ext uri="{FF2B5EF4-FFF2-40B4-BE49-F238E27FC236}">
+                <a16:creationId xmlns:a16="http://schemas.microsoft.com/office/drawing/2014/main" id="{B5042D5B-4704-EB44-04C2-82A7A3A11B75}"/>
+              </a:ext>
+            </a:extLst>
+          </p:cNvPr>
+          <p:cNvSpPr/>
+          <p:nvPr/>
+        </p:nvSpPr>
+        <p:spPr>
+          <a:xfrm>
+            <a:off x="8578646" y="4412533"/>
+            <a:ext cx="1907458" cy="513428"/>
+          </a:xfrm>
+          <a:prstGeom prst="roundRect">
+            <a:avLst/>
+          </a:prstGeom>
+        </p:spPr>
+        <p:style>
+          <a:lnRef idx="2">
+            <a:schemeClr val="accent1">
+              <a:shade val="15000"/>
+            </a:schemeClr>
+          </a:lnRef>
+          <a:fillRef idx="1">
+            <a:schemeClr val="accent1"/>
+          </a:fillRef>
+          <a:effectRef idx="0">
+            <a:schemeClr val="accent1"/>
+          </a:effectRef>
+          <a:fontRef idx="minor">
+            <a:schemeClr val="lt1"/>
+          </a:fontRef>
+        </p:style>
+        <p:txBody>
+          <a:bodyPr rtlCol="0" anchor="ctr"/>
+          <a:lstStyle/>
+          <a:p>
+            <a:pPr algn="ctr"/>
+            <a:r>
+              <a:rPr lang="en-US" dirty="0" err="1"/>
+              <a:t>Damagable</a:t>
+            </a:r>
+            <a:r>
+              <a:rPr lang="en-US" dirty="0"/>
+              <a:t> Character</a:t>
             </a:r>
           </a:p>
         </p:txBody>
